--- a/Robotics_1/1. MexE 406 Robotics 1.pptx
+++ b/Robotics_1/1. MexE 406 Robotics 1.pptx
@@ -266,7 +266,7 @@
           <a:p>
             <a:fld id="{5F5543ED-8C9B-41FA-A77C-3AB5990E9BA4}" type="datetimeFigureOut">
               <a:rPr lang="en-PH" smtClean="0"/>
-              <a:t>09/08/2023</a:t>
+              <a:t>30/08/2024</a:t>
             </a:fld>
             <a:endParaRPr lang="en-PH"/>
           </a:p>
@@ -466,7 +466,7 @@
           <a:p>
             <a:fld id="{5F5543ED-8C9B-41FA-A77C-3AB5990E9BA4}" type="datetimeFigureOut">
               <a:rPr lang="en-PH" smtClean="0"/>
-              <a:t>09/08/2023</a:t>
+              <a:t>30/08/2024</a:t>
             </a:fld>
             <a:endParaRPr lang="en-PH"/>
           </a:p>
@@ -676,7 +676,7 @@
           <a:p>
             <a:fld id="{5F5543ED-8C9B-41FA-A77C-3AB5990E9BA4}" type="datetimeFigureOut">
               <a:rPr lang="en-PH" smtClean="0"/>
-              <a:t>09/08/2023</a:t>
+              <a:t>30/08/2024</a:t>
             </a:fld>
             <a:endParaRPr lang="en-PH"/>
           </a:p>
@@ -876,7 +876,7 @@
           <a:p>
             <a:fld id="{5F5543ED-8C9B-41FA-A77C-3AB5990E9BA4}" type="datetimeFigureOut">
               <a:rPr lang="en-PH" smtClean="0"/>
-              <a:t>09/08/2023</a:t>
+              <a:t>30/08/2024</a:t>
             </a:fld>
             <a:endParaRPr lang="en-PH"/>
           </a:p>
@@ -1152,7 +1152,7 @@
           <a:p>
             <a:fld id="{5F5543ED-8C9B-41FA-A77C-3AB5990E9BA4}" type="datetimeFigureOut">
               <a:rPr lang="en-PH" smtClean="0"/>
-              <a:t>09/08/2023</a:t>
+              <a:t>30/08/2024</a:t>
             </a:fld>
             <a:endParaRPr lang="en-PH"/>
           </a:p>
@@ -1420,7 +1420,7 @@
           <a:p>
             <a:fld id="{5F5543ED-8C9B-41FA-A77C-3AB5990E9BA4}" type="datetimeFigureOut">
               <a:rPr lang="en-PH" smtClean="0"/>
-              <a:t>09/08/2023</a:t>
+              <a:t>30/08/2024</a:t>
             </a:fld>
             <a:endParaRPr lang="en-PH"/>
           </a:p>
@@ -1835,7 +1835,7 @@
           <a:p>
             <a:fld id="{5F5543ED-8C9B-41FA-A77C-3AB5990E9BA4}" type="datetimeFigureOut">
               <a:rPr lang="en-PH" smtClean="0"/>
-              <a:t>09/08/2023</a:t>
+              <a:t>30/08/2024</a:t>
             </a:fld>
             <a:endParaRPr lang="en-PH"/>
           </a:p>
@@ -1977,7 +1977,7 @@
           <a:p>
             <a:fld id="{5F5543ED-8C9B-41FA-A77C-3AB5990E9BA4}" type="datetimeFigureOut">
               <a:rPr lang="en-PH" smtClean="0"/>
-              <a:t>09/08/2023</a:t>
+              <a:t>30/08/2024</a:t>
             </a:fld>
             <a:endParaRPr lang="en-PH"/>
           </a:p>
@@ -2090,7 +2090,7 @@
           <a:p>
             <a:fld id="{5F5543ED-8C9B-41FA-A77C-3AB5990E9BA4}" type="datetimeFigureOut">
               <a:rPr lang="en-PH" smtClean="0"/>
-              <a:t>09/08/2023</a:t>
+              <a:t>30/08/2024</a:t>
             </a:fld>
             <a:endParaRPr lang="en-PH"/>
           </a:p>
@@ -2403,7 +2403,7 @@
           <a:p>
             <a:fld id="{5F5543ED-8C9B-41FA-A77C-3AB5990E9BA4}" type="datetimeFigureOut">
               <a:rPr lang="en-PH" smtClean="0"/>
-              <a:t>09/08/2023</a:t>
+              <a:t>30/08/2024</a:t>
             </a:fld>
             <a:endParaRPr lang="en-PH"/>
           </a:p>
@@ -2692,7 +2692,7 @@
           <a:p>
             <a:fld id="{5F5543ED-8C9B-41FA-A77C-3AB5990E9BA4}" type="datetimeFigureOut">
               <a:rPr lang="en-PH" smtClean="0"/>
-              <a:t>09/08/2023</a:t>
+              <a:t>30/08/2024</a:t>
             </a:fld>
             <a:endParaRPr lang="en-PH"/>
           </a:p>
@@ -2935,7 +2935,7 @@
           <a:p>
             <a:fld id="{5F5543ED-8C9B-41FA-A77C-3AB5990E9BA4}" type="datetimeFigureOut">
               <a:rPr lang="en-PH" smtClean="0"/>
-              <a:t>09/08/2023</a:t>
+              <a:t>30/08/2024</a:t>
             </a:fld>
             <a:endParaRPr lang="en-PH"/>
           </a:p>
@@ -4094,6 +4094,12 @@
             <a:r>
               <a:rPr lang="en-PH" sz="3200" dirty="0"/>
               <a:t>Basic Python</a:t>
+            </a:r>
+          </a:p>
+          <a:p>
+            <a:r>
+              <a:rPr lang="en-PH" sz="3200" dirty="0"/>
+              <a:t>MATLAB</a:t>
             </a:r>
           </a:p>
           <a:p>
